--- a/doc/Paper Reading.pptx
+++ b/doc/Paper Reading.pptx
@@ -7,6 +7,14 @@
   <p:sldIdLst>
     <p:sldId id="256" r:id="rId2"/>
     <p:sldId id="257" r:id="rId3"/>
+    <p:sldId id="259" r:id="rId4"/>
+    <p:sldId id="258" r:id="rId5"/>
+    <p:sldId id="260" r:id="rId6"/>
+    <p:sldId id="262" r:id="rId7"/>
+    <p:sldId id="263" r:id="rId8"/>
+    <p:sldId id="261" r:id="rId9"/>
+    <p:sldId id="264" r:id="rId10"/>
+    <p:sldId id="265" r:id="rId11"/>
   </p:sldIdLst>
   <p:sldSz cx="9144000" cy="6858000" type="screen4x3"/>
   <p:notesSz cx="6858000" cy="9144000"/>
@@ -105,6 +113,22 @@
       </a:defRPr>
     </a:lvl9pPr>
   </p:defaultTextStyle>
+  <p:extLst>
+    <p:ext uri="{EFAFB233-063F-42B5-8137-9DF3F51BA10A}">
+      <p15:sldGuideLst xmlns:p15="http://schemas.microsoft.com/office/powerpoint/2012/main">
+        <p15:guide id="1" orient="horz" pos="2160">
+          <p15:clr>
+            <a:srgbClr val="A4A3A4"/>
+          </p15:clr>
+        </p15:guide>
+        <p15:guide id="2" pos="2880">
+          <p15:clr>
+            <a:srgbClr val="A4A3A4"/>
+          </p15:clr>
+        </p15:guide>
+      </p15:sldGuideLst>
+    </p:ext>
+  </p:extLst>
 </p:presentation>
 </file>
 
@@ -289,7 +313,7 @@
           <a:p>
             <a:fld id="{530820CF-B880-4189-942D-D702A7CBA730}" type="datetimeFigureOut">
               <a:rPr lang="zh-CN" altLang="en-US" smtClean="0"/>
-              <a:t>2014/11/16</a:t>
+              <a:t>2014/11/17</a:t>
             </a:fld>
             <a:endParaRPr lang="zh-CN" altLang="en-US"/>
           </a:p>
@@ -454,7 +478,7 @@
           <a:p>
             <a:fld id="{530820CF-B880-4189-942D-D702A7CBA730}" type="datetimeFigureOut">
               <a:rPr lang="zh-CN" altLang="en-US" smtClean="0"/>
-              <a:t>2014/11/16</a:t>
+              <a:t>2014/11/17</a:t>
             </a:fld>
             <a:endParaRPr lang="zh-CN" altLang="en-US"/>
           </a:p>
@@ -629,7 +653,7 @@
           <a:p>
             <a:fld id="{530820CF-B880-4189-942D-D702A7CBA730}" type="datetimeFigureOut">
               <a:rPr lang="zh-CN" altLang="en-US" smtClean="0"/>
-              <a:t>2014/11/16</a:t>
+              <a:t>2014/11/17</a:t>
             </a:fld>
             <a:endParaRPr lang="zh-CN" altLang="en-US"/>
           </a:p>
@@ -794,7 +818,7 @@
           <a:p>
             <a:fld id="{530820CF-B880-4189-942D-D702A7CBA730}" type="datetimeFigureOut">
               <a:rPr lang="zh-CN" altLang="en-US" smtClean="0"/>
-              <a:t>2014/11/16</a:t>
+              <a:t>2014/11/17</a:t>
             </a:fld>
             <a:endParaRPr lang="zh-CN" altLang="en-US"/>
           </a:p>
@@ -1035,7 +1059,7 @@
           <a:p>
             <a:fld id="{530820CF-B880-4189-942D-D702A7CBA730}" type="datetimeFigureOut">
               <a:rPr lang="zh-CN" altLang="en-US" smtClean="0"/>
-              <a:t>2014/11/16</a:t>
+              <a:t>2014/11/17</a:t>
             </a:fld>
             <a:endParaRPr lang="zh-CN" altLang="en-US"/>
           </a:p>
@@ -1318,7 +1342,7 @@
           <a:p>
             <a:fld id="{530820CF-B880-4189-942D-D702A7CBA730}" type="datetimeFigureOut">
               <a:rPr lang="zh-CN" altLang="en-US" smtClean="0"/>
-              <a:t>2014/11/16</a:t>
+              <a:t>2014/11/17</a:t>
             </a:fld>
             <a:endParaRPr lang="zh-CN" altLang="en-US"/>
           </a:p>
@@ -1735,7 +1759,7 @@
           <a:p>
             <a:fld id="{530820CF-B880-4189-942D-D702A7CBA730}" type="datetimeFigureOut">
               <a:rPr lang="zh-CN" altLang="en-US" smtClean="0"/>
-              <a:t>2014/11/16</a:t>
+              <a:t>2014/11/17</a:t>
             </a:fld>
             <a:endParaRPr lang="zh-CN" altLang="en-US"/>
           </a:p>
@@ -1848,7 +1872,7 @@
           <a:p>
             <a:fld id="{530820CF-B880-4189-942D-D702A7CBA730}" type="datetimeFigureOut">
               <a:rPr lang="zh-CN" altLang="en-US" smtClean="0"/>
-              <a:t>2014/11/16</a:t>
+              <a:t>2014/11/17</a:t>
             </a:fld>
             <a:endParaRPr lang="zh-CN" altLang="en-US"/>
           </a:p>
@@ -1938,7 +1962,7 @@
           <a:p>
             <a:fld id="{530820CF-B880-4189-942D-D702A7CBA730}" type="datetimeFigureOut">
               <a:rPr lang="zh-CN" altLang="en-US" smtClean="0"/>
-              <a:t>2014/11/16</a:t>
+              <a:t>2014/11/17</a:t>
             </a:fld>
             <a:endParaRPr lang="zh-CN" altLang="en-US"/>
           </a:p>
@@ -2210,7 +2234,7 @@
           <a:p>
             <a:fld id="{530820CF-B880-4189-942D-D702A7CBA730}" type="datetimeFigureOut">
               <a:rPr lang="zh-CN" altLang="en-US" smtClean="0"/>
-              <a:t>2014/11/16</a:t>
+              <a:t>2014/11/17</a:t>
             </a:fld>
             <a:endParaRPr lang="zh-CN" altLang="en-US"/>
           </a:p>
@@ -2458,7 +2482,7 @@
           <a:p>
             <a:fld id="{530820CF-B880-4189-942D-D702A7CBA730}" type="datetimeFigureOut">
               <a:rPr lang="zh-CN" altLang="en-US" smtClean="0"/>
-              <a:t>2014/11/16</a:t>
+              <a:t>2014/11/17</a:t>
             </a:fld>
             <a:endParaRPr lang="zh-CN" altLang="en-US"/>
           </a:p>
@@ -2666,7 +2690,7 @@
           <a:p>
             <a:fld id="{530820CF-B880-4189-942D-D702A7CBA730}" type="datetimeFigureOut">
               <a:rPr lang="zh-CN" altLang="en-US" smtClean="0"/>
-              <a:t>2014/11/16</a:t>
+              <a:t>2014/11/17</a:t>
             </a:fld>
             <a:endParaRPr lang="zh-CN" altLang="en-US"/>
           </a:p>
@@ -3187,6 +3211,82 @@
 </p:sld>
 </file>
 
+<file path=ppt/slides/slide10.xml><?xml version="1.0" encoding="utf-8"?>
+<p:sld xmlns:a="http://schemas.openxmlformats.org/drawingml/2006/main" xmlns:r="http://schemas.openxmlformats.org/officeDocument/2006/relationships" xmlns:p="http://schemas.openxmlformats.org/presentationml/2006/main">
+  <p:cSld>
+    <p:spTree>
+      <p:nvGrpSpPr>
+        <p:cNvPr id="1" name=""/>
+        <p:cNvGrpSpPr/>
+        <p:nvPr/>
+      </p:nvGrpSpPr>
+      <p:grpSpPr>
+        <a:xfrm>
+          <a:off x="0" y="0"/>
+          <a:ext cx="0" cy="0"/>
+          <a:chOff x="0" y="0"/>
+          <a:chExt cx="0" cy="0"/>
+        </a:xfrm>
+      </p:grpSpPr>
+      <p:sp>
+        <p:nvSpPr>
+          <p:cNvPr id="4" name="标题 3"/>
+          <p:cNvSpPr>
+            <a:spLocks noGrp="1"/>
+          </p:cNvSpPr>
+          <p:nvPr>
+            <p:ph type="ctrTitle"/>
+          </p:nvPr>
+        </p:nvSpPr>
+        <p:spPr/>
+        <p:txBody>
+          <a:bodyPr/>
+          <a:lstStyle/>
+          <a:p>
+            <a:r>
+              <a:rPr lang="en-US" altLang="zh-CN" dirty="0" smtClean="0"/>
+              <a:t>Thanks!</a:t>
+            </a:r>
+            <a:endParaRPr lang="zh-CN" altLang="en-US" dirty="0"/>
+          </a:p>
+        </p:txBody>
+      </p:sp>
+      <p:sp>
+        <p:nvSpPr>
+          <p:cNvPr id="5" name="副标题 4"/>
+          <p:cNvSpPr>
+            <a:spLocks noGrp="1"/>
+          </p:cNvSpPr>
+          <p:nvPr>
+            <p:ph type="subTitle" idx="1"/>
+          </p:nvPr>
+        </p:nvSpPr>
+        <p:spPr/>
+        <p:txBody>
+          <a:bodyPr/>
+          <a:lstStyle/>
+          <a:p>
+            <a:r>
+              <a:rPr lang="en-US" altLang="zh-CN" dirty="0" smtClean="0"/>
+              <a:t>Q &amp; A</a:t>
+            </a:r>
+            <a:endParaRPr lang="zh-CN" altLang="en-US" dirty="0"/>
+          </a:p>
+        </p:txBody>
+      </p:sp>
+    </p:spTree>
+    <p:extLst>
+      <p:ext uri="{BB962C8B-B14F-4D97-AF65-F5344CB8AC3E}">
+        <p14:creationId xmlns:p14="http://schemas.microsoft.com/office/powerpoint/2010/main" val="3301676367"/>
+      </p:ext>
+    </p:extLst>
+  </p:cSld>
+  <p:clrMapOvr>
+    <a:masterClrMapping/>
+  </p:clrMapOvr>
+</p:sld>
+</file>
+
 <file path=ppt/slides/slide2.xml><?xml version="1.0" encoding="utf-8"?>
 <p:sld xmlns:a="http://schemas.openxmlformats.org/drawingml/2006/main" xmlns:r="http://schemas.openxmlformats.org/officeDocument/2006/relationships" xmlns:p="http://schemas.openxmlformats.org/presentationml/2006/main">
   <p:cSld>
@@ -3239,10 +3339,144 @@
         </p:nvSpPr>
         <p:spPr/>
         <p:txBody>
-          <a:bodyPr/>
-          <a:lstStyle/>
-          <a:p>
-            <a:endParaRPr lang="zh-CN" altLang="en-US"/>
+          <a:bodyPr>
+            <a:normAutofit fontScale="92500" lnSpcReduction="10000"/>
+          </a:bodyPr>
+          <a:lstStyle/>
+          <a:p>
+            <a:r>
+              <a:rPr lang="en-US" altLang="zh-CN" dirty="0" smtClean="0"/>
+              <a:t>Problems</a:t>
+            </a:r>
+          </a:p>
+          <a:p>
+            <a:pPr lvl="1"/>
+            <a:r>
+              <a:rPr lang="en-US" altLang="zh-CN" sz="1600" dirty="0" err="1"/>
+              <a:t>microsoft</a:t>
+            </a:r>
+            <a:r>
+              <a:rPr lang="en-US" altLang="zh-CN" sz="1600" dirty="0"/>
+              <a:t> </a:t>
+            </a:r>
+            <a:r>
+              <a:rPr lang="en-US" altLang="zh-CN" sz="1600" b="1" i="1" dirty="0"/>
+              <a:t>office</a:t>
+            </a:r>
+            <a:r>
+              <a:rPr lang="en-US" altLang="zh-CN" sz="1600" i="1" dirty="0"/>
+              <a:t> </a:t>
+            </a:r>
+            <a:r>
+              <a:rPr lang="en-US" altLang="zh-CN" sz="1600" dirty="0"/>
+              <a:t>excel could allow remote code execution</a:t>
+            </a:r>
+          </a:p>
+          <a:p>
+            <a:pPr lvl="1"/>
+            <a:r>
+              <a:rPr lang="en-US" altLang="zh-CN" sz="1600" dirty="0"/>
+              <a:t>welcome to the apartment </a:t>
+            </a:r>
+            <a:r>
+              <a:rPr lang="en-US" altLang="zh-CN" sz="1600" b="1" i="1" dirty="0"/>
+              <a:t>office</a:t>
+            </a:r>
+          </a:p>
+          <a:p>
+            <a:pPr lvl="1"/>
+            <a:r>
+              <a:rPr lang="en-US" altLang="zh-CN" sz="1600" dirty="0"/>
+              <a:t>online </a:t>
+            </a:r>
+            <a:r>
+              <a:rPr lang="en-US" altLang="zh-CN" sz="1600" b="1" i="1" dirty="0"/>
+              <a:t>body</a:t>
+            </a:r>
+            <a:r>
+              <a:rPr lang="en-US" altLang="zh-CN" sz="1600" i="1" dirty="0"/>
+              <a:t> </a:t>
+            </a:r>
+            <a:r>
+              <a:rPr lang="en-US" altLang="zh-CN" sz="1600" dirty="0"/>
+              <a:t>fat percentage calculator</a:t>
+            </a:r>
+          </a:p>
+          <a:p>
+            <a:pPr lvl="1"/>
+            <a:r>
+              <a:rPr lang="en-US" altLang="zh-CN" sz="1600" dirty="0"/>
+              <a:t>online auto </a:t>
+            </a:r>
+            <a:r>
+              <a:rPr lang="en-US" altLang="zh-CN" sz="1600" b="1" i="1" dirty="0"/>
+              <a:t>body</a:t>
+            </a:r>
+            <a:r>
+              <a:rPr lang="en-US" altLang="zh-CN" sz="1600" i="1" dirty="0"/>
+              <a:t> </a:t>
+            </a:r>
+            <a:r>
+              <a:rPr lang="en-US" altLang="zh-CN" sz="1600" dirty="0"/>
+              <a:t>repair </a:t>
+            </a:r>
+            <a:r>
+              <a:rPr lang="en-US" altLang="zh-CN" sz="1600" dirty="0" smtClean="0"/>
+              <a:t>estimates</a:t>
+            </a:r>
+            <a:endParaRPr lang="en-US" altLang="zh-CN" dirty="0"/>
+          </a:p>
+          <a:p>
+            <a:r>
+              <a:rPr lang="en-US" altLang="zh-CN" dirty="0" smtClean="0"/>
+              <a:t>Contextual information</a:t>
+            </a:r>
+          </a:p>
+          <a:p>
+            <a:pPr lvl="1"/>
+            <a:r>
+              <a:rPr lang="en-US" altLang="zh-CN" dirty="0" smtClean="0"/>
+              <a:t>Modeling Term Dependencies for IR</a:t>
+            </a:r>
+          </a:p>
+          <a:p>
+            <a:pPr lvl="2"/>
+            <a:r>
+              <a:rPr lang="en-US" altLang="zh-CN" dirty="0" smtClean="0"/>
+              <a:t>N-gram</a:t>
+            </a:r>
+          </a:p>
+          <a:p>
+            <a:pPr lvl="1"/>
+            <a:r>
+              <a:rPr lang="en-US" altLang="zh-CN" dirty="0" smtClean="0"/>
+              <a:t>Latent Semantic Models</a:t>
+            </a:r>
+          </a:p>
+          <a:p>
+            <a:pPr lvl="2"/>
+            <a:r>
+              <a:rPr lang="en-US" altLang="zh-CN" dirty="0" smtClean="0"/>
+              <a:t>PLSA  LDA</a:t>
+            </a:r>
+          </a:p>
+          <a:p>
+            <a:pPr lvl="1">
+              <a:buFont typeface="Wingdings" panose="05000000000000000000" pitchFamily="2" charset="2"/>
+              <a:buChar char="ü"/>
+            </a:pPr>
+            <a:r>
+              <a:rPr lang="en-US" altLang="zh-CN" dirty="0" smtClean="0"/>
+              <a:t>Neural-Network-based Semantic Models</a:t>
+            </a:r>
+          </a:p>
+          <a:p>
+            <a:pPr lvl="2"/>
+            <a:r>
+              <a:rPr lang="en-US" altLang="zh-CN" dirty="0" smtClean="0"/>
+              <a:t>DSSM</a:t>
+            </a:r>
+            <a:endParaRPr lang="zh-CN" altLang="en-US" dirty="0"/>
           </a:p>
         </p:txBody>
       </p:sp>
@@ -3250,6 +3484,1124 @@
     <p:extLst>
       <p:ext uri="{BB962C8B-B14F-4D97-AF65-F5344CB8AC3E}">
         <p14:creationId xmlns:p14="http://schemas.microsoft.com/office/powerpoint/2010/main" val="1891179632"/>
+      </p:ext>
+    </p:extLst>
+  </p:cSld>
+  <p:clrMapOvr>
+    <a:masterClrMapping/>
+  </p:clrMapOvr>
+</p:sld>
+</file>
+
+<file path=ppt/slides/slide3.xml><?xml version="1.0" encoding="utf-8"?>
+<p:sld xmlns:a="http://schemas.openxmlformats.org/drawingml/2006/main" xmlns:r="http://schemas.openxmlformats.org/officeDocument/2006/relationships" xmlns:p="http://schemas.openxmlformats.org/presentationml/2006/main">
+  <p:cSld>
+    <p:spTree>
+      <p:nvGrpSpPr>
+        <p:cNvPr id="1" name=""/>
+        <p:cNvGrpSpPr/>
+        <p:nvPr/>
+      </p:nvGrpSpPr>
+      <p:grpSpPr>
+        <a:xfrm>
+          <a:off x="0" y="0"/>
+          <a:ext cx="0" cy="0"/>
+          <a:chOff x="0" y="0"/>
+          <a:chExt cx="0" cy="0"/>
+        </a:xfrm>
+      </p:grpSpPr>
+      <p:sp>
+        <p:nvSpPr>
+          <p:cNvPr id="2" name="标题 1"/>
+          <p:cNvSpPr>
+            <a:spLocks noGrp="1"/>
+          </p:cNvSpPr>
+          <p:nvPr>
+            <p:ph type="title"/>
+          </p:nvPr>
+        </p:nvSpPr>
+        <p:spPr/>
+        <p:txBody>
+          <a:bodyPr/>
+          <a:lstStyle/>
+          <a:p>
+            <a:r>
+              <a:rPr lang="en-US" altLang="zh-CN" dirty="0" smtClean="0"/>
+              <a:t>The CLSM Architecture</a:t>
+            </a:r>
+            <a:endParaRPr lang="zh-CN" altLang="en-US" dirty="0"/>
+          </a:p>
+        </p:txBody>
+      </p:sp>
+      <p:pic>
+        <p:nvPicPr>
+          <p:cNvPr id="4" name="内容占位符 3"/>
+          <p:cNvPicPr>
+            <a:picLocks noGrp="1" noChangeAspect="1"/>
+          </p:cNvPicPr>
+          <p:nvPr>
+            <p:ph idx="1"/>
+          </p:nvPr>
+        </p:nvPicPr>
+        <p:blipFill>
+          <a:blip r:embed="rId2">
+            <a:extLst>
+              <a:ext uri="{28A0092B-C50C-407E-A947-70E740481C1C}">
+                <a14:useLocalDpi xmlns:a14="http://schemas.microsoft.com/office/drawing/2010/main" val="0"/>
+              </a:ext>
+            </a:extLst>
+          </a:blip>
+          <a:stretch>
+            <a:fillRect/>
+          </a:stretch>
+        </p:blipFill>
+        <p:spPr>
+          <a:xfrm>
+            <a:off x="1645211" y="1600200"/>
+            <a:ext cx="5853578" cy="4525963"/>
+          </a:xfrm>
+        </p:spPr>
+      </p:pic>
+    </p:spTree>
+    <p:extLst>
+      <p:ext uri="{BB962C8B-B14F-4D97-AF65-F5344CB8AC3E}">
+        <p14:creationId xmlns:p14="http://schemas.microsoft.com/office/powerpoint/2010/main" val="1128891443"/>
+      </p:ext>
+    </p:extLst>
+  </p:cSld>
+  <p:clrMapOvr>
+    <a:masterClrMapping/>
+  </p:clrMapOvr>
+</p:sld>
+</file>
+
+<file path=ppt/slides/slide4.xml><?xml version="1.0" encoding="utf-8"?>
+<p:sld xmlns:a="http://schemas.openxmlformats.org/drawingml/2006/main" xmlns:r="http://schemas.openxmlformats.org/officeDocument/2006/relationships" xmlns:p="http://schemas.openxmlformats.org/presentationml/2006/main">
+  <p:cSld>
+    <p:spTree>
+      <p:nvGrpSpPr>
+        <p:cNvPr id="1" name=""/>
+        <p:cNvGrpSpPr/>
+        <p:nvPr/>
+      </p:nvGrpSpPr>
+      <p:grpSpPr>
+        <a:xfrm>
+          <a:off x="0" y="0"/>
+          <a:ext cx="0" cy="0"/>
+          <a:chOff x="0" y="0"/>
+          <a:chExt cx="0" cy="0"/>
+        </a:xfrm>
+      </p:grpSpPr>
+      <p:sp>
+        <p:nvSpPr>
+          <p:cNvPr id="2" name="标题 1"/>
+          <p:cNvSpPr>
+            <a:spLocks noGrp="1"/>
+          </p:cNvSpPr>
+          <p:nvPr>
+            <p:ph type="title"/>
+          </p:nvPr>
+        </p:nvSpPr>
+        <p:spPr/>
+        <p:txBody>
+          <a:bodyPr/>
+          <a:lstStyle/>
+          <a:p>
+            <a:r>
+              <a:rPr lang="en-US" altLang="zh-CN" dirty="0" smtClean="0"/>
+              <a:t>Letter-trigram</a:t>
+            </a:r>
+            <a:endParaRPr lang="zh-CN" altLang="en-US" dirty="0"/>
+          </a:p>
+        </p:txBody>
+      </p:sp>
+      <p:pic>
+        <p:nvPicPr>
+          <p:cNvPr id="4" name="内容占位符 3"/>
+          <p:cNvPicPr>
+            <a:picLocks noGrp="1" noChangeAspect="1"/>
+          </p:cNvPicPr>
+          <p:nvPr>
+            <p:ph idx="1"/>
+          </p:nvPr>
+        </p:nvPicPr>
+        <p:blipFill>
+          <a:blip r:embed="rId2">
+            <a:extLst>
+              <a:ext uri="{28A0092B-C50C-407E-A947-70E740481C1C}">
+                <a14:useLocalDpi xmlns:a14="http://schemas.microsoft.com/office/drawing/2010/main" val="0"/>
+              </a:ext>
+            </a:extLst>
+          </a:blip>
+          <a:stretch>
+            <a:fillRect/>
+          </a:stretch>
+        </p:blipFill>
+        <p:spPr>
+          <a:xfrm>
+            <a:off x="1475656" y="2132856"/>
+            <a:ext cx="5976662" cy="2232248"/>
+          </a:xfrm>
+        </p:spPr>
+      </p:pic>
+      <p:sp>
+        <p:nvSpPr>
+          <p:cNvPr id="5" name="文本框 4"/>
+          <p:cNvSpPr txBox="1"/>
+          <p:nvPr/>
+        </p:nvSpPr>
+        <p:spPr>
+          <a:xfrm>
+            <a:off x="1043608" y="1484784"/>
+            <a:ext cx="3156826" cy="369332"/>
+          </a:xfrm>
+          <a:prstGeom prst="rect">
+            <a:avLst/>
+          </a:prstGeom>
+          <a:noFill/>
+        </p:spPr>
+        <p:txBody>
+          <a:bodyPr wrap="none" rtlCol="0">
+            <a:spAutoFit/>
+          </a:bodyPr>
+          <a:lstStyle/>
+          <a:p>
+            <a:r>
+              <a:rPr lang="en-US" altLang="zh-CN" dirty="0" smtClean="0"/>
+              <a:t>A letter-trigram of word </a:t>
+            </a:r>
+            <a:r>
+              <a:rPr lang="en-US" altLang="zh-CN" b="1" dirty="0" smtClean="0"/>
+              <a:t>“boy” :</a:t>
+            </a:r>
+            <a:endParaRPr lang="zh-CN" altLang="en-US" b="1" dirty="0"/>
+          </a:p>
+        </p:txBody>
+      </p:sp>
+      <p:sp>
+        <p:nvSpPr>
+          <p:cNvPr id="6" name="文本框 5"/>
+          <p:cNvSpPr txBox="1"/>
+          <p:nvPr/>
+        </p:nvSpPr>
+        <p:spPr>
+          <a:xfrm>
+            <a:off x="1043608" y="4675006"/>
+            <a:ext cx="5147948" cy="923330"/>
+          </a:xfrm>
+          <a:prstGeom prst="rect">
+            <a:avLst/>
+          </a:prstGeom>
+          <a:noFill/>
+        </p:spPr>
+        <p:txBody>
+          <a:bodyPr wrap="none" rtlCol="0">
+            <a:spAutoFit/>
+          </a:bodyPr>
+          <a:lstStyle/>
+          <a:p>
+            <a:r>
+              <a:rPr lang="en-US" altLang="zh-CN" dirty="0" smtClean="0"/>
+              <a:t>About </a:t>
+            </a:r>
+            <a:r>
+              <a:rPr lang="en-US" altLang="zh-CN" b="1" dirty="0" smtClean="0"/>
+              <a:t>30K </a:t>
+            </a:r>
+            <a:r>
+              <a:rPr lang="en-US" altLang="zh-CN" dirty="0" smtClean="0"/>
+              <a:t>unique letter-trigrams</a:t>
+            </a:r>
+          </a:p>
+          <a:p>
+            <a:endParaRPr lang="en-US" altLang="zh-CN" dirty="0"/>
+          </a:p>
+          <a:p>
+            <a:r>
+              <a:rPr lang="en-US" altLang="zh-CN" dirty="0" smtClean="0"/>
+              <a:t>In letter-trigram layer has a dimensionality of n x 30K</a:t>
+            </a:r>
+            <a:endParaRPr lang="zh-CN" altLang="en-US" dirty="0"/>
+          </a:p>
+        </p:txBody>
+      </p:sp>
+    </p:spTree>
+    <p:extLst>
+      <p:ext uri="{BB962C8B-B14F-4D97-AF65-F5344CB8AC3E}">
+        <p14:creationId xmlns:p14="http://schemas.microsoft.com/office/powerpoint/2010/main" val="146505188"/>
+      </p:ext>
+    </p:extLst>
+  </p:cSld>
+  <p:clrMapOvr>
+    <a:masterClrMapping/>
+  </p:clrMapOvr>
+</p:sld>
+</file>
+
+<file path=ppt/slides/slide5.xml><?xml version="1.0" encoding="utf-8"?>
+<p:sld xmlns:a="http://schemas.openxmlformats.org/drawingml/2006/main" xmlns:r="http://schemas.openxmlformats.org/officeDocument/2006/relationships" xmlns:p="http://schemas.openxmlformats.org/presentationml/2006/main">
+  <p:cSld>
+    <p:spTree>
+      <p:nvGrpSpPr>
+        <p:cNvPr id="1" name=""/>
+        <p:cNvGrpSpPr/>
+        <p:nvPr/>
+      </p:nvGrpSpPr>
+      <p:grpSpPr>
+        <a:xfrm>
+          <a:off x="0" y="0"/>
+          <a:ext cx="0" cy="0"/>
+          <a:chOff x="0" y="0"/>
+          <a:chExt cx="0" cy="0"/>
+        </a:xfrm>
+      </p:grpSpPr>
+      <p:sp>
+        <p:nvSpPr>
+          <p:cNvPr id="2" name="标题 1"/>
+          <p:cNvSpPr>
+            <a:spLocks noGrp="1"/>
+          </p:cNvSpPr>
+          <p:nvPr>
+            <p:ph type="title"/>
+          </p:nvPr>
+        </p:nvSpPr>
+        <p:spPr/>
+        <p:txBody>
+          <a:bodyPr/>
+          <a:lstStyle/>
+          <a:p>
+            <a:r>
+              <a:rPr lang="en-US" altLang="zh-CN" dirty="0" smtClean="0"/>
+              <a:t>Convolutional Layer</a:t>
+            </a:r>
+            <a:endParaRPr lang="zh-CN" altLang="en-US" dirty="0"/>
+          </a:p>
+        </p:txBody>
+      </p:sp>
+      <p:pic>
+        <p:nvPicPr>
+          <p:cNvPr id="4" name="内容占位符 3"/>
+          <p:cNvPicPr>
+            <a:picLocks noGrp="1" noChangeAspect="1"/>
+          </p:cNvPicPr>
+          <p:nvPr>
+            <p:ph idx="1"/>
+          </p:nvPr>
+        </p:nvPicPr>
+        <p:blipFill>
+          <a:blip r:embed="rId2">
+            <a:extLst>
+              <a:ext uri="{28A0092B-C50C-407E-A947-70E740481C1C}">
+                <a14:useLocalDpi xmlns:a14="http://schemas.microsoft.com/office/drawing/2010/main" val="0"/>
+              </a:ext>
+            </a:extLst>
+          </a:blip>
+          <a:stretch>
+            <a:fillRect/>
+          </a:stretch>
+        </p:blipFill>
+        <p:spPr>
+          <a:xfrm>
+            <a:off x="1048114" y="2060848"/>
+            <a:ext cx="3848761" cy="586478"/>
+          </a:xfrm>
+        </p:spPr>
+      </p:pic>
+      <p:sp>
+        <p:nvSpPr>
+          <p:cNvPr id="5" name="文本框 4"/>
+          <p:cNvSpPr txBox="1"/>
+          <p:nvPr/>
+        </p:nvSpPr>
+        <p:spPr>
+          <a:xfrm>
+            <a:off x="1043608" y="1691516"/>
+            <a:ext cx="4026230" cy="369332"/>
+          </a:xfrm>
+          <a:prstGeom prst="rect">
+            <a:avLst/>
+          </a:prstGeom>
+          <a:noFill/>
+        </p:spPr>
+        <p:txBody>
+          <a:bodyPr wrap="none" rtlCol="0">
+            <a:spAutoFit/>
+          </a:bodyPr>
+          <a:lstStyle/>
+          <a:p>
+            <a:r>
+              <a:rPr lang="en-US" altLang="zh-CN" dirty="0" err="1" smtClean="0"/>
+              <a:t>W</a:t>
+            </a:r>
+            <a:r>
+              <a:rPr lang="en-US" altLang="zh-CN" baseline="-25000" dirty="0" err="1" smtClean="0"/>
+              <a:t>c</a:t>
+            </a:r>
+            <a:r>
+              <a:rPr lang="en-US" altLang="zh-CN" dirty="0" smtClean="0"/>
+              <a:t> is a </a:t>
+            </a:r>
+            <a:r>
+              <a:rPr lang="en-US" altLang="zh-CN" b="1" dirty="0" smtClean="0"/>
+              <a:t>(n x 30</a:t>
+            </a:r>
+            <a:r>
+              <a:rPr lang="en-US" altLang="zh-CN" dirty="0" smtClean="0"/>
+              <a:t>K</a:t>
+            </a:r>
+            <a:r>
+              <a:rPr lang="en-US" altLang="zh-CN" b="1" dirty="0" smtClean="0"/>
+              <a:t>) x K </a:t>
+            </a:r>
+            <a:r>
+              <a:rPr lang="en-US" altLang="zh-CN" dirty="0" smtClean="0"/>
+              <a:t>Convolutional Matrix</a:t>
+            </a:r>
+            <a:endParaRPr lang="zh-CN" altLang="en-US" dirty="0"/>
+          </a:p>
+        </p:txBody>
+      </p:sp>
+      <p:sp>
+        <p:nvSpPr>
+          <p:cNvPr id="6" name="文本框 5"/>
+          <p:cNvSpPr txBox="1"/>
+          <p:nvPr/>
+        </p:nvSpPr>
+        <p:spPr>
+          <a:xfrm>
+            <a:off x="1043608" y="4084947"/>
+            <a:ext cx="3997889" cy="369332"/>
+          </a:xfrm>
+          <a:prstGeom prst="rect">
+            <a:avLst/>
+          </a:prstGeom>
+          <a:noFill/>
+        </p:spPr>
+        <p:txBody>
+          <a:bodyPr wrap="none" rtlCol="0">
+            <a:spAutoFit/>
+          </a:bodyPr>
+          <a:lstStyle/>
+          <a:p>
+            <a:r>
+              <a:rPr lang="en-US" altLang="zh-CN" dirty="0" smtClean="0"/>
+              <a:t>All word-n-gram share the weight of </a:t>
+            </a:r>
+            <a:r>
+              <a:rPr lang="en-US" altLang="zh-CN" dirty="0" err="1" smtClean="0"/>
+              <a:t>W</a:t>
+            </a:r>
+            <a:r>
+              <a:rPr lang="en-US" altLang="zh-CN" baseline="-25000" dirty="0" err="1" smtClean="0"/>
+              <a:t>c</a:t>
+            </a:r>
+            <a:r>
+              <a:rPr lang="en-US" altLang="zh-CN" dirty="0" smtClean="0"/>
+              <a:t> .</a:t>
+            </a:r>
+            <a:endParaRPr lang="zh-CN" altLang="en-US" dirty="0"/>
+          </a:p>
+        </p:txBody>
+      </p:sp>
+      <p:pic>
+        <p:nvPicPr>
+          <p:cNvPr id="7" name="图片 6"/>
+          <p:cNvPicPr>
+            <a:picLocks noChangeAspect="1"/>
+          </p:cNvPicPr>
+          <p:nvPr/>
+        </p:nvPicPr>
+        <p:blipFill>
+          <a:blip r:embed="rId3">
+            <a:extLst>
+              <a:ext uri="{28A0092B-C50C-407E-A947-70E740481C1C}">
+                <a14:useLocalDpi xmlns:a14="http://schemas.microsoft.com/office/drawing/2010/main" val="0"/>
+              </a:ext>
+            </a:extLst>
+          </a:blip>
+          <a:stretch>
+            <a:fillRect/>
+          </a:stretch>
+        </p:blipFill>
+        <p:spPr>
+          <a:xfrm>
+            <a:off x="1763688" y="2924944"/>
+            <a:ext cx="5076190" cy="942857"/>
+          </a:xfrm>
+          <a:prstGeom prst="rect">
+            <a:avLst/>
+          </a:prstGeom>
+        </p:spPr>
+      </p:pic>
+      <p:pic>
+        <p:nvPicPr>
+          <p:cNvPr id="8" name="图片 7"/>
+          <p:cNvPicPr>
+            <a:picLocks noChangeAspect="1"/>
+          </p:cNvPicPr>
+          <p:nvPr/>
+        </p:nvPicPr>
+        <p:blipFill>
+          <a:blip r:embed="rId4">
+            <a:extLst>
+              <a:ext uri="{28A0092B-C50C-407E-A947-70E740481C1C}">
+                <a14:useLocalDpi xmlns:a14="http://schemas.microsoft.com/office/drawing/2010/main" val="0"/>
+              </a:ext>
+            </a:extLst>
+          </a:blip>
+          <a:stretch>
+            <a:fillRect/>
+          </a:stretch>
+        </p:blipFill>
+        <p:spPr>
+          <a:xfrm>
+            <a:off x="1763688" y="4509120"/>
+            <a:ext cx="5352381" cy="1944216"/>
+          </a:xfrm>
+          <a:prstGeom prst="rect">
+            <a:avLst/>
+          </a:prstGeom>
+        </p:spPr>
+      </p:pic>
+    </p:spTree>
+    <p:extLst>
+      <p:ext uri="{BB962C8B-B14F-4D97-AF65-F5344CB8AC3E}">
+        <p14:creationId xmlns:p14="http://schemas.microsoft.com/office/powerpoint/2010/main" val="1328005027"/>
+      </p:ext>
+    </p:extLst>
+  </p:cSld>
+  <p:clrMapOvr>
+    <a:masterClrMapping/>
+  </p:clrMapOvr>
+</p:sld>
+</file>
+
+<file path=ppt/slides/slide6.xml><?xml version="1.0" encoding="utf-8"?>
+<p:sld xmlns:a="http://schemas.openxmlformats.org/drawingml/2006/main" xmlns:r="http://schemas.openxmlformats.org/officeDocument/2006/relationships" xmlns:p="http://schemas.openxmlformats.org/presentationml/2006/main">
+  <p:cSld>
+    <p:spTree>
+      <p:nvGrpSpPr>
+        <p:cNvPr id="1" name=""/>
+        <p:cNvGrpSpPr/>
+        <p:nvPr/>
+      </p:nvGrpSpPr>
+      <p:grpSpPr>
+        <a:xfrm>
+          <a:off x="0" y="0"/>
+          <a:ext cx="0" cy="0"/>
+          <a:chOff x="0" y="0"/>
+          <a:chExt cx="0" cy="0"/>
+        </a:xfrm>
+      </p:grpSpPr>
+      <p:sp>
+        <p:nvSpPr>
+          <p:cNvPr id="2" name="标题 1"/>
+          <p:cNvSpPr>
+            <a:spLocks noGrp="1"/>
+          </p:cNvSpPr>
+          <p:nvPr>
+            <p:ph type="title"/>
+          </p:nvPr>
+        </p:nvSpPr>
+        <p:spPr/>
+        <p:txBody>
+          <a:bodyPr/>
+          <a:lstStyle/>
+          <a:p>
+            <a:r>
+              <a:rPr lang="en-US" altLang="zh-CN" dirty="0" smtClean="0"/>
+              <a:t>Max Pooling</a:t>
+            </a:r>
+            <a:endParaRPr lang="zh-CN" altLang="en-US" dirty="0"/>
+          </a:p>
+        </p:txBody>
+      </p:sp>
+      <p:pic>
+        <p:nvPicPr>
+          <p:cNvPr id="4" name="内容占位符 3"/>
+          <p:cNvPicPr>
+            <a:picLocks noGrp="1" noChangeAspect="1"/>
+          </p:cNvPicPr>
+          <p:nvPr>
+            <p:ph idx="1"/>
+          </p:nvPr>
+        </p:nvPicPr>
+        <p:blipFill>
+          <a:blip r:embed="rId2">
+            <a:extLst>
+              <a:ext uri="{28A0092B-C50C-407E-A947-70E740481C1C}">
+                <a14:useLocalDpi xmlns:a14="http://schemas.microsoft.com/office/drawing/2010/main" val="0"/>
+              </a:ext>
+            </a:extLst>
+          </a:blip>
+          <a:stretch>
+            <a:fillRect/>
+          </a:stretch>
+        </p:blipFill>
+        <p:spPr>
+          <a:xfrm>
+            <a:off x="827583" y="2132856"/>
+            <a:ext cx="4030127" cy="720080"/>
+          </a:xfrm>
+        </p:spPr>
+      </p:pic>
+      <p:pic>
+        <p:nvPicPr>
+          <p:cNvPr id="5" name="图片 4"/>
+          <p:cNvPicPr>
+            <a:picLocks noChangeAspect="1"/>
+          </p:cNvPicPr>
+          <p:nvPr/>
+        </p:nvPicPr>
+        <p:blipFill>
+          <a:blip r:embed="rId3">
+            <a:extLst>
+              <a:ext uri="{28A0092B-C50C-407E-A947-70E740481C1C}">
+                <a14:useLocalDpi xmlns:a14="http://schemas.microsoft.com/office/drawing/2010/main" val="0"/>
+              </a:ext>
+            </a:extLst>
+          </a:blip>
+          <a:stretch>
+            <a:fillRect/>
+          </a:stretch>
+        </p:blipFill>
+        <p:spPr>
+          <a:xfrm>
+            <a:off x="1763688" y="3135096"/>
+            <a:ext cx="5123809" cy="1180952"/>
+          </a:xfrm>
+          <a:prstGeom prst="rect">
+            <a:avLst/>
+          </a:prstGeom>
+        </p:spPr>
+      </p:pic>
+      <p:sp>
+        <p:nvSpPr>
+          <p:cNvPr id="6" name="文本框 5"/>
+          <p:cNvSpPr txBox="1"/>
+          <p:nvPr/>
+        </p:nvSpPr>
+        <p:spPr>
+          <a:xfrm>
+            <a:off x="1043608" y="1844824"/>
+            <a:ext cx="4375365" cy="369332"/>
+          </a:xfrm>
+          <a:prstGeom prst="rect">
+            <a:avLst/>
+          </a:prstGeom>
+          <a:noFill/>
+        </p:spPr>
+        <p:txBody>
+          <a:bodyPr wrap="none" rtlCol="0">
+            <a:spAutoFit/>
+          </a:bodyPr>
+          <a:lstStyle/>
+          <a:p>
+            <a:r>
+              <a:rPr lang="en-US" altLang="zh-CN" dirty="0"/>
+              <a:t>A</a:t>
+            </a:r>
+            <a:r>
+              <a:rPr lang="en-US" altLang="zh-CN" dirty="0" smtClean="0"/>
+              <a:t>ggregate to obtain a sentence-level feature </a:t>
+            </a:r>
+            <a:endParaRPr lang="zh-CN" altLang="en-US" dirty="0"/>
+          </a:p>
+        </p:txBody>
+      </p:sp>
+      <p:pic>
+        <p:nvPicPr>
+          <p:cNvPr id="7" name="图片 6"/>
+          <p:cNvPicPr>
+            <a:picLocks noChangeAspect="1"/>
+          </p:cNvPicPr>
+          <p:nvPr/>
+        </p:nvPicPr>
+        <p:blipFill>
+          <a:blip r:embed="rId4">
+            <a:extLst>
+              <a:ext uri="{28A0092B-C50C-407E-A947-70E740481C1C}">
+                <a14:useLocalDpi xmlns:a14="http://schemas.microsoft.com/office/drawing/2010/main" val="0"/>
+              </a:ext>
+            </a:extLst>
+          </a:blip>
+          <a:stretch>
+            <a:fillRect/>
+          </a:stretch>
+        </p:blipFill>
+        <p:spPr>
+          <a:xfrm>
+            <a:off x="1763688" y="4725144"/>
+            <a:ext cx="5219048" cy="1666667"/>
+          </a:xfrm>
+          <a:prstGeom prst="rect">
+            <a:avLst/>
+          </a:prstGeom>
+        </p:spPr>
+      </p:pic>
+    </p:spTree>
+    <p:extLst>
+      <p:ext uri="{BB962C8B-B14F-4D97-AF65-F5344CB8AC3E}">
+        <p14:creationId xmlns:p14="http://schemas.microsoft.com/office/powerpoint/2010/main" val="2173035808"/>
+      </p:ext>
+    </p:extLst>
+  </p:cSld>
+  <p:clrMapOvr>
+    <a:masterClrMapping/>
+  </p:clrMapOvr>
+</p:sld>
+</file>
+
+<file path=ppt/slides/slide7.xml><?xml version="1.0" encoding="utf-8"?>
+<p:sld xmlns:a="http://schemas.openxmlformats.org/drawingml/2006/main" xmlns:r="http://schemas.openxmlformats.org/officeDocument/2006/relationships" xmlns:p="http://schemas.openxmlformats.org/presentationml/2006/main">
+  <p:cSld>
+    <p:spTree>
+      <p:nvGrpSpPr>
+        <p:cNvPr id="1" name=""/>
+        <p:cNvGrpSpPr/>
+        <p:nvPr/>
+      </p:nvGrpSpPr>
+      <p:grpSpPr>
+        <a:xfrm>
+          <a:off x="0" y="0"/>
+          <a:ext cx="0" cy="0"/>
+          <a:chOff x="0" y="0"/>
+          <a:chExt cx="0" cy="0"/>
+        </a:xfrm>
+      </p:grpSpPr>
+      <p:sp>
+        <p:nvSpPr>
+          <p:cNvPr id="2" name="标题 1"/>
+          <p:cNvSpPr>
+            <a:spLocks noGrp="1"/>
+          </p:cNvSpPr>
+          <p:nvPr>
+            <p:ph type="title"/>
+          </p:nvPr>
+        </p:nvSpPr>
+        <p:spPr/>
+        <p:txBody>
+          <a:bodyPr/>
+          <a:lstStyle/>
+          <a:p>
+            <a:r>
+              <a:rPr lang="en-US" altLang="zh-CN" dirty="0" smtClean="0"/>
+              <a:t>How to Training?</a:t>
+            </a:r>
+            <a:endParaRPr lang="zh-CN" altLang="en-US" dirty="0"/>
+          </a:p>
+        </p:txBody>
+      </p:sp>
+      <p:sp>
+        <p:nvSpPr>
+          <p:cNvPr id="3" name="内容占位符 2"/>
+          <p:cNvSpPr>
+            <a:spLocks noGrp="1"/>
+          </p:cNvSpPr>
+          <p:nvPr>
+            <p:ph idx="1"/>
+          </p:nvPr>
+        </p:nvSpPr>
+        <p:spPr/>
+        <p:txBody>
+          <a:bodyPr/>
+          <a:lstStyle/>
+          <a:p>
+            <a:r>
+              <a:rPr lang="en-US" altLang="zh-CN" dirty="0" smtClean="0"/>
+              <a:t>Loss function</a:t>
+            </a:r>
+          </a:p>
+          <a:p>
+            <a:endParaRPr lang="en-US" altLang="zh-CN" dirty="0"/>
+          </a:p>
+          <a:p>
+            <a:pPr lvl="1"/>
+            <a:endParaRPr lang="en-US" altLang="zh-CN" dirty="0" smtClean="0"/>
+          </a:p>
+          <a:p>
+            <a:pPr lvl="1"/>
+            <a:r>
+              <a:rPr lang="en-US" altLang="zh-CN" dirty="0" smtClean="0"/>
+              <a:t>D: document  D</a:t>
+            </a:r>
+            <a:r>
+              <a:rPr lang="en-US" altLang="zh-CN" baseline="30000" dirty="0" smtClean="0"/>
+              <a:t>+</a:t>
+            </a:r>
+            <a:r>
+              <a:rPr lang="en-US" altLang="zh-CN" dirty="0" smtClean="0"/>
+              <a:t>: positive  D</a:t>
+            </a:r>
+            <a:r>
+              <a:rPr lang="en-US" altLang="zh-CN" baseline="30000" dirty="0" smtClean="0"/>
+              <a:t>-</a:t>
+            </a:r>
+            <a:r>
+              <a:rPr lang="en-US" altLang="zh-CN" dirty="0" smtClean="0"/>
+              <a:t>: sample J negative</a:t>
+            </a:r>
+          </a:p>
+          <a:p>
+            <a:endParaRPr lang="en-US" altLang="zh-CN" dirty="0"/>
+          </a:p>
+          <a:p>
+            <a:r>
+              <a:rPr lang="en-US" altLang="zh-CN" dirty="0" smtClean="0"/>
+              <a:t>Train on training set, training parameter optimized on the validation set.</a:t>
+            </a:r>
+            <a:endParaRPr lang="zh-CN" altLang="en-US" dirty="0"/>
+          </a:p>
+        </p:txBody>
+      </p:sp>
+      <p:pic>
+        <p:nvPicPr>
+          <p:cNvPr id="4" name="图片 3"/>
+          <p:cNvPicPr>
+            <a:picLocks noChangeAspect="1"/>
+          </p:cNvPicPr>
+          <p:nvPr/>
+        </p:nvPicPr>
+        <p:blipFill>
+          <a:blip r:embed="rId2">
+            <a:extLst>
+              <a:ext uri="{28A0092B-C50C-407E-A947-70E740481C1C}">
+                <a14:useLocalDpi xmlns:a14="http://schemas.microsoft.com/office/drawing/2010/main" val="0"/>
+              </a:ext>
+            </a:extLst>
+          </a:blip>
+          <a:stretch>
+            <a:fillRect/>
+          </a:stretch>
+        </p:blipFill>
+        <p:spPr>
+          <a:xfrm>
+            <a:off x="1259632" y="2276872"/>
+            <a:ext cx="2895238" cy="761905"/>
+          </a:xfrm>
+          <a:prstGeom prst="rect">
+            <a:avLst/>
+          </a:prstGeom>
+        </p:spPr>
+      </p:pic>
+      <p:pic>
+        <p:nvPicPr>
+          <p:cNvPr id="5" name="图片 4"/>
+          <p:cNvPicPr>
+            <a:picLocks noChangeAspect="1"/>
+          </p:cNvPicPr>
+          <p:nvPr/>
+        </p:nvPicPr>
+        <p:blipFill>
+          <a:blip r:embed="rId3">
+            <a:extLst>
+              <a:ext uri="{28A0092B-C50C-407E-A947-70E740481C1C}">
+                <a14:useLocalDpi xmlns:a14="http://schemas.microsoft.com/office/drawing/2010/main" val="0"/>
+              </a:ext>
+            </a:extLst>
+          </a:blip>
+          <a:stretch>
+            <a:fillRect/>
+          </a:stretch>
+        </p:blipFill>
+        <p:spPr>
+          <a:xfrm>
+            <a:off x="4716016" y="2305444"/>
+            <a:ext cx="2466667" cy="733333"/>
+          </a:xfrm>
+          <a:prstGeom prst="rect">
+            <a:avLst/>
+          </a:prstGeom>
+        </p:spPr>
+      </p:pic>
+    </p:spTree>
+    <p:extLst>
+      <p:ext uri="{BB962C8B-B14F-4D97-AF65-F5344CB8AC3E}">
+        <p14:creationId xmlns:p14="http://schemas.microsoft.com/office/powerpoint/2010/main" val="3812987782"/>
+      </p:ext>
+    </p:extLst>
+  </p:cSld>
+  <p:clrMapOvr>
+    <a:masterClrMapping/>
+  </p:clrMapOvr>
+</p:sld>
+</file>
+
+<file path=ppt/slides/slide8.xml><?xml version="1.0" encoding="utf-8"?>
+<p:sld xmlns:a="http://schemas.openxmlformats.org/drawingml/2006/main" xmlns:r="http://schemas.openxmlformats.org/officeDocument/2006/relationships" xmlns:p="http://schemas.openxmlformats.org/presentationml/2006/main">
+  <p:cSld>
+    <p:spTree>
+      <p:nvGrpSpPr>
+        <p:cNvPr id="1" name=""/>
+        <p:cNvGrpSpPr/>
+        <p:nvPr/>
+      </p:nvGrpSpPr>
+      <p:grpSpPr>
+        <a:xfrm>
+          <a:off x="0" y="0"/>
+          <a:ext cx="0" cy="0"/>
+          <a:chOff x="0" y="0"/>
+          <a:chExt cx="0" cy="0"/>
+        </a:xfrm>
+      </p:grpSpPr>
+      <p:sp>
+        <p:nvSpPr>
+          <p:cNvPr id="2" name="标题 1"/>
+          <p:cNvSpPr>
+            <a:spLocks noGrp="1"/>
+          </p:cNvSpPr>
+          <p:nvPr>
+            <p:ph type="title"/>
+          </p:nvPr>
+        </p:nvSpPr>
+        <p:spPr/>
+        <p:txBody>
+          <a:bodyPr/>
+          <a:lstStyle/>
+          <a:p>
+            <a:r>
+              <a:rPr lang="en-US" altLang="zh-CN" dirty="0" smtClean="0"/>
+              <a:t>Experiments</a:t>
+            </a:r>
+            <a:endParaRPr lang="zh-CN" altLang="en-US" dirty="0"/>
+          </a:p>
+        </p:txBody>
+      </p:sp>
+      <p:sp>
+        <p:nvSpPr>
+          <p:cNvPr id="3" name="内容占位符 2"/>
+          <p:cNvSpPr>
+            <a:spLocks noGrp="1"/>
+          </p:cNvSpPr>
+          <p:nvPr>
+            <p:ph idx="1"/>
+          </p:nvPr>
+        </p:nvSpPr>
+        <p:spPr/>
+        <p:txBody>
+          <a:bodyPr/>
+          <a:lstStyle/>
+          <a:p>
+            <a:r>
+              <a:rPr lang="en-US" altLang="zh-CN" dirty="0" smtClean="0"/>
+              <a:t>Data set : </a:t>
+            </a:r>
+            <a:r>
+              <a:rPr lang="en-US" altLang="zh-CN" dirty="0" err="1" smtClean="0"/>
+              <a:t>Clickthrough</a:t>
+            </a:r>
+            <a:r>
+              <a:rPr lang="en-US" altLang="zh-CN" dirty="0" smtClean="0"/>
+              <a:t> data</a:t>
+            </a:r>
+          </a:p>
+          <a:p>
+            <a:pPr lvl="1"/>
+            <a:r>
+              <a:rPr lang="en-US" altLang="zh-CN" dirty="0" smtClean="0"/>
+              <a:t>Document use </a:t>
+            </a:r>
+            <a:r>
+              <a:rPr lang="en-US" altLang="zh-CN" b="1" dirty="0" smtClean="0"/>
+              <a:t>Title</a:t>
+            </a:r>
+            <a:r>
+              <a:rPr lang="en-US" altLang="zh-CN" dirty="0" smtClean="0"/>
+              <a:t>, not </a:t>
+            </a:r>
+            <a:r>
+              <a:rPr lang="en-US" altLang="zh-CN" b="1" dirty="0" smtClean="0"/>
+              <a:t>Body</a:t>
+            </a:r>
+            <a:r>
+              <a:rPr lang="en-US" altLang="zh-CN" dirty="0" smtClean="0"/>
+              <a:t>.</a:t>
+            </a:r>
+          </a:p>
+          <a:p>
+            <a:pPr lvl="1"/>
+            <a:endParaRPr lang="en-US" altLang="zh-CN" dirty="0"/>
+          </a:p>
+          <a:p>
+            <a:pPr lvl="1"/>
+            <a:endParaRPr lang="en-US" altLang="zh-CN" dirty="0" smtClean="0"/>
+          </a:p>
+          <a:p>
+            <a:pPr lvl="1"/>
+            <a:r>
+              <a:rPr lang="en-US" altLang="zh-CN" dirty="0" smtClean="0"/>
+              <a:t>Query av</a:t>
+            </a:r>
+            <a:r>
+              <a:rPr lang="en-US" altLang="zh-CN" dirty="0" smtClean="0"/>
+              <a:t>erage </a:t>
+            </a:r>
+            <a:r>
+              <a:rPr lang="en-US" altLang="zh-CN" dirty="0" err="1" smtClean="0"/>
+              <a:t>len</a:t>
+            </a:r>
+            <a:r>
+              <a:rPr lang="en-US" altLang="zh-CN" dirty="0" smtClean="0"/>
+              <a:t> 3.01; Title average </a:t>
+            </a:r>
+            <a:r>
+              <a:rPr lang="en-US" altLang="zh-CN" dirty="0" err="1" smtClean="0"/>
+              <a:t>len</a:t>
+            </a:r>
+            <a:r>
+              <a:rPr lang="en-US" altLang="zh-CN" dirty="0" smtClean="0"/>
+              <a:t> 7.78</a:t>
+            </a:r>
+            <a:endParaRPr lang="zh-CN" altLang="en-US" dirty="0"/>
+          </a:p>
+        </p:txBody>
+      </p:sp>
+      <p:pic>
+        <p:nvPicPr>
+          <p:cNvPr id="4" name="图片 3"/>
+          <p:cNvPicPr>
+            <a:picLocks noChangeAspect="1"/>
+          </p:cNvPicPr>
+          <p:nvPr/>
+        </p:nvPicPr>
+        <p:blipFill>
+          <a:blip r:embed="rId2">
+            <a:extLst>
+              <a:ext uri="{28A0092B-C50C-407E-A947-70E740481C1C}">
+                <a14:useLocalDpi xmlns:a14="http://schemas.microsoft.com/office/drawing/2010/main" val="0"/>
+              </a:ext>
+            </a:extLst>
+          </a:blip>
+          <a:stretch>
+            <a:fillRect/>
+          </a:stretch>
+        </p:blipFill>
+        <p:spPr>
+          <a:xfrm>
+            <a:off x="1243834" y="4341926"/>
+            <a:ext cx="4942857" cy="2504762"/>
+          </a:xfrm>
+          <a:prstGeom prst="rect">
+            <a:avLst/>
+          </a:prstGeom>
+        </p:spPr>
+      </p:pic>
+      <p:pic>
+        <p:nvPicPr>
+          <p:cNvPr id="5" name="图片 4"/>
+          <p:cNvPicPr>
+            <a:picLocks noChangeAspect="1"/>
+          </p:cNvPicPr>
+          <p:nvPr/>
+        </p:nvPicPr>
+        <p:blipFill>
+          <a:blip r:embed="rId3">
+            <a:extLst>
+              <a:ext uri="{28A0092B-C50C-407E-A947-70E740481C1C}">
+                <a14:useLocalDpi xmlns:a14="http://schemas.microsoft.com/office/drawing/2010/main" val="0"/>
+              </a:ext>
+            </a:extLst>
+          </a:blip>
+          <a:stretch>
+            <a:fillRect/>
+          </a:stretch>
+        </p:blipFill>
+        <p:spPr>
+          <a:xfrm>
+            <a:off x="1243834" y="2636912"/>
+            <a:ext cx="5361905" cy="790476"/>
+          </a:xfrm>
+          <a:prstGeom prst="rect">
+            <a:avLst/>
+          </a:prstGeom>
+        </p:spPr>
+      </p:pic>
+    </p:spTree>
+    <p:extLst>
+      <p:ext uri="{BB962C8B-B14F-4D97-AF65-F5344CB8AC3E}">
+        <p14:creationId xmlns:p14="http://schemas.microsoft.com/office/powerpoint/2010/main" val="247243399"/>
+      </p:ext>
+    </p:extLst>
+  </p:cSld>
+  <p:clrMapOvr>
+    <a:masterClrMapping/>
+  </p:clrMapOvr>
+</p:sld>
+</file>
+
+<file path=ppt/slides/slide9.xml><?xml version="1.0" encoding="utf-8"?>
+<p:sld xmlns:a="http://schemas.openxmlformats.org/drawingml/2006/main" xmlns:r="http://schemas.openxmlformats.org/officeDocument/2006/relationships" xmlns:p="http://schemas.openxmlformats.org/presentationml/2006/main">
+  <p:cSld>
+    <p:spTree>
+      <p:nvGrpSpPr>
+        <p:cNvPr id="1" name=""/>
+        <p:cNvGrpSpPr/>
+        <p:nvPr/>
+      </p:nvGrpSpPr>
+      <p:grpSpPr>
+        <a:xfrm>
+          <a:off x="0" y="0"/>
+          <a:ext cx="0" cy="0"/>
+          <a:chOff x="0" y="0"/>
+          <a:chExt cx="0" cy="0"/>
+        </a:xfrm>
+      </p:grpSpPr>
+      <p:sp>
+        <p:nvSpPr>
+          <p:cNvPr id="2" name="标题 1"/>
+          <p:cNvSpPr>
+            <a:spLocks noGrp="1"/>
+          </p:cNvSpPr>
+          <p:nvPr>
+            <p:ph type="title"/>
+          </p:nvPr>
+        </p:nvSpPr>
+        <p:spPr/>
+        <p:txBody>
+          <a:bodyPr/>
+          <a:lstStyle/>
+          <a:p>
+            <a:r>
+              <a:rPr lang="en-US" altLang="zh-CN" dirty="0" smtClean="0"/>
+              <a:t>Experiments</a:t>
+            </a:r>
+            <a:endParaRPr lang="zh-CN" altLang="en-US" dirty="0"/>
+          </a:p>
+        </p:txBody>
+      </p:sp>
+      <p:pic>
+        <p:nvPicPr>
+          <p:cNvPr id="4" name="内容占位符 3"/>
+          <p:cNvPicPr>
+            <a:picLocks noGrp="1" noChangeAspect="1"/>
+          </p:cNvPicPr>
+          <p:nvPr>
+            <p:ph idx="1"/>
+          </p:nvPr>
+        </p:nvPicPr>
+        <p:blipFill>
+          <a:blip r:embed="rId2">
+            <a:extLst>
+              <a:ext uri="{28A0092B-C50C-407E-A947-70E740481C1C}">
+                <a14:useLocalDpi xmlns:a14="http://schemas.microsoft.com/office/drawing/2010/main" val="0"/>
+              </a:ext>
+            </a:extLst>
+          </a:blip>
+          <a:stretch>
+            <a:fillRect/>
+          </a:stretch>
+        </p:blipFill>
+        <p:spPr>
+          <a:xfrm>
+            <a:off x="1763688" y="1556792"/>
+            <a:ext cx="5466667" cy="3961905"/>
+          </a:xfrm>
+        </p:spPr>
+      </p:pic>
+    </p:spTree>
+    <p:extLst>
+      <p:ext uri="{BB962C8B-B14F-4D97-AF65-F5344CB8AC3E}">
+        <p14:creationId xmlns:p14="http://schemas.microsoft.com/office/powerpoint/2010/main" val="3831723923"/>
       </p:ext>
     </p:extLst>
   </p:cSld>
